--- a/2011182001_kangsinho_Second.pptx
+++ b/2011182001_kangsinho_Second.pptx
@@ -231,7 +231,7 @@
           <a:p>
             <a:fld id="{83255D5A-2BDD-44C5-A491-4256F0B511E6}" type="datetimeFigureOut">
               <a:rPr lang="id-ID" smtClean="0"/>
-              <a:t>19/10/2016</a:t>
+              <a:t>20/10/2016</a:t>
             </a:fld>
             <a:endParaRPr lang="id-ID"/>
           </a:p>
@@ -400,7 +400,7 @@
           <a:p>
             <a:fld id="{69CA22E8-CBF0-4448-8B42-6862E56D679F}" type="datetimeFigureOut">
               <a:rPr lang="id-ID" smtClean="0"/>
-              <a:t>19/10/2016</a:t>
+              <a:t>20/10/2016</a:t>
             </a:fld>
             <a:endParaRPr lang="id-ID"/>
           </a:p>
@@ -1215,7 +1215,7 @@
           <a:p>
             <a:fld id="{D71606FC-3B51-4C6B-9EC3-451226C01BCA}" type="datetime1">
               <a:rPr lang="id-ID" smtClean="0"/>
-              <a:t>19/10/2016</a:t>
+              <a:t>20/10/2016</a:t>
             </a:fld>
             <a:endParaRPr lang="id-ID"/>
           </a:p>
@@ -1385,7 +1385,7 @@
           <a:p>
             <a:fld id="{F04DE453-5779-4FFF-971C-E8CACE53930D}" type="datetime1">
               <a:rPr lang="id-ID" smtClean="0"/>
-              <a:t>19/10/2016</a:t>
+              <a:t>20/10/2016</a:t>
             </a:fld>
             <a:endParaRPr lang="id-ID"/>
           </a:p>
@@ -1565,7 +1565,7 @@
           <a:p>
             <a:fld id="{09A48251-5AB8-4CC1-B6C7-04C7243E2765}" type="datetime1">
               <a:rPr lang="id-ID" smtClean="0"/>
-              <a:t>19/10/2016</a:t>
+              <a:t>20/10/2016</a:t>
             </a:fld>
             <a:endParaRPr lang="id-ID"/>
           </a:p>
@@ -1735,7 +1735,7 @@
           <a:p>
             <a:fld id="{847F49FB-5FBD-44F5-84D6-EDB7DA17DC38}" type="datetime1">
               <a:rPr lang="id-ID" smtClean="0"/>
-              <a:t>19/10/2016</a:t>
+              <a:t>20/10/2016</a:t>
             </a:fld>
             <a:endParaRPr lang="id-ID"/>
           </a:p>
@@ -1981,7 +1981,7 @@
           <a:p>
             <a:fld id="{83A0AD43-8A2E-4F50-B732-B50E202AF712}" type="datetime1">
               <a:rPr lang="id-ID" smtClean="0"/>
-              <a:t>19/10/2016</a:t>
+              <a:t>20/10/2016</a:t>
             </a:fld>
             <a:endParaRPr lang="id-ID"/>
           </a:p>
@@ -2213,7 +2213,7 @@
           <a:p>
             <a:fld id="{3A81C9F3-64CF-45FD-B135-82DC337A0290}" type="datetime1">
               <a:rPr lang="id-ID" smtClean="0"/>
-              <a:t>19/10/2016</a:t>
+              <a:t>20/10/2016</a:t>
             </a:fld>
             <a:endParaRPr lang="id-ID"/>
           </a:p>
@@ -2580,7 +2580,7 @@
           <a:p>
             <a:fld id="{7059E695-E9CF-49B5-AD19-203306221E32}" type="datetime1">
               <a:rPr lang="id-ID" smtClean="0"/>
-              <a:t>19/10/2016</a:t>
+              <a:t>20/10/2016</a:t>
             </a:fld>
             <a:endParaRPr lang="id-ID"/>
           </a:p>
@@ -2698,7 +2698,7 @@
           <a:p>
             <a:fld id="{E9FD37E6-37F1-407C-B1C9-064981DEA3C0}" type="datetime1">
               <a:rPr lang="id-ID" smtClean="0"/>
-              <a:t>19/10/2016</a:t>
+              <a:t>20/10/2016</a:t>
             </a:fld>
             <a:endParaRPr lang="id-ID"/>
           </a:p>
@@ -2793,7 +2793,7 @@
           <a:p>
             <a:fld id="{6D525832-2742-4CA2-BDAA-A8A44F360881}" type="datetime1">
               <a:rPr lang="id-ID" smtClean="0"/>
-              <a:t>19/10/2016</a:t>
+              <a:t>20/10/2016</a:t>
             </a:fld>
             <a:endParaRPr lang="id-ID"/>
           </a:p>
@@ -3070,7 +3070,7 @@
           <a:p>
             <a:fld id="{EE2DBEB2-47C0-4B62-8D8E-FCA416BE6D54}" type="datetime1">
               <a:rPr lang="id-ID" smtClean="0"/>
-              <a:t>19/10/2016</a:t>
+              <a:t>20/10/2016</a:t>
             </a:fld>
             <a:endParaRPr lang="id-ID"/>
           </a:p>
@@ -3323,7 +3323,7 @@
           <a:p>
             <a:fld id="{3CB56E19-DB5F-4A0C-A555-B56B3960BA9F}" type="datetime1">
               <a:rPr lang="id-ID" smtClean="0"/>
-              <a:t>19/10/2016</a:t>
+              <a:t>20/10/2016</a:t>
             </a:fld>
             <a:endParaRPr lang="id-ID"/>
           </a:p>
@@ -3536,7 +3536,7 @@
           <a:p>
             <a:fld id="{A528BEE6-6550-49D3-8330-328C8D276A62}" type="datetime1">
               <a:rPr lang="id-ID" smtClean="0"/>
-              <a:t>19/10/2016</a:t>
+              <a:t>20/10/2016</a:t>
             </a:fld>
             <a:endParaRPr lang="id-ID"/>
           </a:p>
@@ -6105,7 +6105,7 @@
           <p:nvPr>
             <p:extLst>
               <p:ext uri="{D42A27DB-BD31-4B8C-83A1-F6EECF244321}">
-                <p14:modId xmlns:p14="http://schemas.microsoft.com/office/powerpoint/2010/main" val="6072543"/>
+                <p14:modId xmlns:p14="http://schemas.microsoft.com/office/powerpoint/2010/main" val="2106042369"/>
               </p:ext>
             </p:extLst>
           </p:nvPr>
@@ -6662,8 +6662,21 @@
                             <a:schemeClr val="bg1"/>
                           </a:solidFill>
                         </a:rPr>
-                        <a:t>                                                                               맵 구현 완료</a:t>
+                        <a:t>                                                                               </a:t>
                       </a:r>
+                      <a:r>
+                        <a:rPr lang="ko-KR" altLang="en-US" sz="1200">
+                          <a:solidFill>
+                            <a:schemeClr val="bg1"/>
+                          </a:solidFill>
+                        </a:rPr>
+                        <a:t>맵 전환 및 구현 완료 </a:t>
+                      </a:r>
+                      <a:endParaRPr lang="ko-KR" altLang="en-US" sz="1200" dirty="0">
+                        <a:solidFill>
+                          <a:schemeClr val="bg1"/>
+                        </a:solidFill>
+                      </a:endParaRPr>
                     </a:p>
                   </a:txBody>
                   <a:tcPr>
@@ -6777,7 +6790,7 @@
                             <a:schemeClr val="bg1"/>
                           </a:solidFill>
                         </a:rPr>
-                        <a:t>60%</a:t>
+                        <a:t>80%</a:t>
                       </a:r>
                       <a:endParaRPr lang="ko-KR" altLang="en-US" sz="1200" dirty="0">
                         <a:solidFill>

--- a/2011182001_kangsinho_Second.pptx
+++ b/2011182001_kangsinho_Second.pptx
@@ -5,17 +5,18 @@
     <p:sldMasterId id="2147483648" r:id="rId1"/>
   </p:sldMasterIdLst>
   <p:notesMasterIdLst>
-    <p:notesMasterId r:id="rId7"/>
+    <p:notesMasterId r:id="rId8"/>
   </p:notesMasterIdLst>
   <p:handoutMasterIdLst>
-    <p:handoutMasterId r:id="rId8"/>
+    <p:handoutMasterId r:id="rId9"/>
   </p:handoutMasterIdLst>
   <p:sldIdLst>
     <p:sldId id="419" r:id="rId2"/>
     <p:sldId id="324" r:id="rId3"/>
     <p:sldId id="431" r:id="rId4"/>
     <p:sldId id="432" r:id="rId5"/>
-    <p:sldId id="430" r:id="rId6"/>
+    <p:sldId id="433" r:id="rId6"/>
+    <p:sldId id="430" r:id="rId7"/>
   </p:sldIdLst>
   <p:sldSz cx="12192000" cy="6858000"/>
   <p:notesSz cx="6858000" cy="9144000"/>
@@ -115,19 +116,6 @@
     </a:lvl9pPr>
   </p:defaultTextStyle>
   <p:extLst>
-    <p:ext uri="{521415D9-36F7-43E2-AB2F-B90AF26B5E84}">
-      <p14:sectionLst xmlns:p14="http://schemas.microsoft.com/office/powerpoint/2010/main">
-        <p14:section name="기본 구역" id="{985BA05E-79CA-4EFB-8C6A-698A09FB5364}">
-          <p14:sldIdLst>
-            <p14:sldId id="419"/>
-            <p14:sldId id="324"/>
-            <p14:sldId id="431"/>
-            <p14:sldId id="432"/>
-            <p14:sldId id="430"/>
-          </p14:sldIdLst>
-        </p14:section>
-      </p14:sectionLst>
-    </p:ext>
     <p:ext uri="{EFAFB233-063F-42B5-8137-9DF3F51BA10A}">
       <p15:sldGuideLst xmlns:p15="http://schemas.microsoft.com/office/powerpoint/2012/main">
         <p15:guide id="1" orient="horz" pos="2160">
@@ -1002,6 +990,89 @@
 </file>
 
 <file path=ppt/notesSlides/notesSlide5.xml><?xml version="1.0" encoding="utf-8"?>
+<p:notes xmlns:a="http://schemas.openxmlformats.org/drawingml/2006/main" xmlns:r="http://schemas.openxmlformats.org/officeDocument/2006/relationships" xmlns:p="http://schemas.openxmlformats.org/presentationml/2006/main">
+  <p:cSld>
+    <p:spTree>
+      <p:nvGrpSpPr>
+        <p:cNvPr id="1" name=""/>
+        <p:cNvGrpSpPr/>
+        <p:nvPr/>
+      </p:nvGrpSpPr>
+      <p:grpSpPr>
+        <a:xfrm>
+          <a:off x="0" y="0"/>
+          <a:ext cx="0" cy="0"/>
+          <a:chOff x="0" y="0"/>
+          <a:chExt cx="0" cy="0"/>
+        </a:xfrm>
+      </p:grpSpPr>
+      <p:sp>
+        <p:nvSpPr>
+          <p:cNvPr id="2" name="Slide Image Placeholder 1"/>
+          <p:cNvSpPr>
+            <a:spLocks noGrp="1" noRot="1" noChangeAspect="1"/>
+          </p:cNvSpPr>
+          <p:nvPr>
+            <p:ph type="sldImg"/>
+          </p:nvPr>
+        </p:nvSpPr>
+        <p:spPr/>
+      </p:sp>
+      <p:sp>
+        <p:nvSpPr>
+          <p:cNvPr id="3" name="Notes Placeholder 2"/>
+          <p:cNvSpPr>
+            <a:spLocks noGrp="1"/>
+          </p:cNvSpPr>
+          <p:nvPr>
+            <p:ph type="body" idx="1"/>
+          </p:nvPr>
+        </p:nvSpPr>
+        <p:spPr/>
+        <p:txBody>
+          <a:bodyPr/>
+          <a:lstStyle/>
+          <a:p>
+            <a:endParaRPr lang="id-ID" dirty="0"/>
+          </a:p>
+        </p:txBody>
+      </p:sp>
+      <p:sp>
+        <p:nvSpPr>
+          <p:cNvPr id="4" name="Header Placeholder 3"/>
+          <p:cNvSpPr>
+            <a:spLocks noGrp="1"/>
+          </p:cNvSpPr>
+          <p:nvPr>
+            <p:ph type="hdr" sz="quarter" idx="10"/>
+          </p:nvPr>
+        </p:nvSpPr>
+        <p:spPr/>
+        <p:txBody>
+          <a:bodyPr/>
+          <a:lstStyle/>
+          <a:p>
+            <a:r>
+              <a:rPr lang="id-ID"/>
+              <a:t>1</a:t>
+            </a:r>
+          </a:p>
+        </p:txBody>
+      </p:sp>
+    </p:spTree>
+    <p:extLst>
+      <p:ext uri="{BB962C8B-B14F-4D97-AF65-F5344CB8AC3E}">
+        <p14:creationId xmlns:p14="http://schemas.microsoft.com/office/powerpoint/2010/main" val="3039837095"/>
+      </p:ext>
+    </p:extLst>
+  </p:cSld>
+  <p:clrMapOvr>
+    <a:masterClrMapping/>
+  </p:clrMapOvr>
+</p:notes>
+</file>
+
+<file path=ppt/notesSlides/notesSlide6.xml><?xml version="1.0" encoding="utf-8"?>
 <p:notes xmlns:a="http://schemas.openxmlformats.org/drawingml/2006/main" xmlns:r="http://schemas.openxmlformats.org/officeDocument/2006/relationships" xmlns:p="http://schemas.openxmlformats.org/presentationml/2006/main">
   <p:cSld>
     <p:spTree>
@@ -4457,56 +4528,6 @@
       </p:sp>
       <p:sp>
         <p:nvSpPr>
-          <p:cNvPr id="10" name="Rectangle 9"/>
-          <p:cNvSpPr/>
-          <p:nvPr/>
-        </p:nvSpPr>
-        <p:spPr>
-          <a:xfrm>
-            <a:off x="-163132" y="-31345"/>
-            <a:ext cx="12518264" cy="1313645"/>
-          </a:xfrm>
-          <a:prstGeom prst="rect">
-            <a:avLst/>
-          </a:prstGeom>
-          <a:solidFill>
-            <a:schemeClr val="accent2"/>
-          </a:solidFill>
-          <a:ln>
-            <a:noFill/>
-          </a:ln>
-        </p:spPr>
-        <p:style>
-          <a:lnRef idx="2">
-            <a:schemeClr val="accent1">
-              <a:shade val="50000"/>
-            </a:schemeClr>
-          </a:lnRef>
-          <a:fillRef idx="1">
-            <a:schemeClr val="accent1"/>
-          </a:fillRef>
-          <a:effectRef idx="0">
-            <a:schemeClr val="accent1"/>
-          </a:effectRef>
-          <a:fontRef idx="minor">
-            <a:schemeClr val="lt1"/>
-          </a:fontRef>
-        </p:style>
-        <p:txBody>
-          <a:bodyPr rtlCol="0" anchor="ctr"/>
-          <a:lstStyle/>
-          <a:p>
-            <a:pPr algn="ctr"/>
-            <a:endParaRPr lang="id-ID">
-              <a:solidFill>
-                <a:schemeClr val="bg1"/>
-              </a:solidFill>
-            </a:endParaRPr>
-          </a:p>
-        </p:txBody>
-      </p:sp>
-      <p:sp>
-        <p:nvSpPr>
           <p:cNvPr id="11" name="TextBox 10"/>
           <p:cNvSpPr txBox="1"/>
           <p:nvPr/>
@@ -4549,55 +4570,6 @@
       </p:sp>
       <p:sp>
         <p:nvSpPr>
-          <p:cNvPr id="14" name="Flowchart: Off-page Connector 13"/>
-          <p:cNvSpPr/>
-          <p:nvPr/>
-        </p:nvSpPr>
-        <p:spPr>
-          <a:xfrm>
-            <a:off x="11552349" y="321972"/>
-            <a:ext cx="347730" cy="476518"/>
-          </a:xfrm>
-          <a:prstGeom prst="flowChartOffpageConnector">
-            <a:avLst/>
-          </a:prstGeom>
-          <a:solidFill>
-            <a:schemeClr val="accent3"/>
-          </a:solidFill>
-          <a:ln>
-            <a:noFill/>
-          </a:ln>
-        </p:spPr>
-        <p:style>
-          <a:lnRef idx="2">
-            <a:schemeClr val="accent1">
-              <a:shade val="50000"/>
-            </a:schemeClr>
-          </a:lnRef>
-          <a:fillRef idx="1">
-            <a:schemeClr val="accent1"/>
-          </a:fillRef>
-          <a:effectRef idx="0">
-            <a:schemeClr val="accent1"/>
-          </a:effectRef>
-          <a:fontRef idx="minor">
-            <a:schemeClr val="lt1"/>
-          </a:fontRef>
-        </p:style>
-        <p:txBody>
-          <a:bodyPr rtlCol="0" anchor="ctr"/>
-          <a:lstStyle/>
-          <a:p>
-            <a:pPr algn="ctr"/>
-            <a:r>
-              <a:rPr lang="id-ID" sz="1100" dirty="0"/>
-              <a:t>03</a:t>
-            </a:r>
-          </a:p>
-        </p:txBody>
-      </p:sp>
-      <p:sp>
-        <p:nvSpPr>
           <p:cNvPr id="12" name="TextBox 11"/>
           <p:cNvSpPr txBox="1"/>
           <p:nvPr/>
@@ -4635,14 +4607,11 @@
               <a:rPr lang="ko-KR" altLang="en-US" sz="2400" b="1" dirty="0">
                 <a:latin typeface="Signika Negative" pitchFamily="2" charset="0"/>
               </a:rPr>
-              <a:t>멀리 더 멀리 나아가라</a:t>
-            </a:r>
-            <a:r>
-              <a:rPr lang="en-US" altLang="ko-KR" sz="2400" b="1" dirty="0">
-                <a:latin typeface="Signika Negative" pitchFamily="2" charset="0"/>
-              </a:rPr>
-              <a:t>!</a:t>
-            </a:r>
+              <a:t>멀리 더 멀리 나아가는 비행 슈팅 게임</a:t>
+            </a:r>
+            <a:endParaRPr lang="en-US" altLang="ko-KR" sz="2400" b="1" dirty="0">
+              <a:latin typeface="Signika Negative" pitchFamily="2" charset="0"/>
+            </a:endParaRPr>
           </a:p>
           <a:p>
             <a:pPr algn="just"/>
@@ -4658,12 +4627,6 @@
               </a:rPr>
               <a:t>간단한 방향키 조작과 스페이스키로 적을 섬멸해라</a:t>
             </a:r>
-            <a:r>
-              <a:rPr lang="en-US" altLang="ko-KR" sz="2400" b="1" dirty="0">
-                <a:latin typeface="Signika Negative" pitchFamily="2" charset="0"/>
-              </a:rPr>
-              <a:t>!</a:t>
-            </a:r>
             <a:endParaRPr lang="en-US" sz="2400" b="1" dirty="0">
               <a:latin typeface="Signika Negative" pitchFamily="2" charset="0"/>
             </a:endParaRPr>
@@ -4682,12 +4645,9 @@
               </a:rPr>
               <a:t>더 멀리 비행해서 더 높은 점수를 획득해라</a:t>
             </a:r>
-            <a:r>
-              <a:rPr lang="en-US" altLang="ko-KR" sz="2400" b="1" dirty="0">
-                <a:latin typeface="Signika Negative" pitchFamily="2" charset="0"/>
-              </a:rPr>
-              <a:t>!</a:t>
-            </a:r>
+            <a:endParaRPr lang="en-US" altLang="ko-KR" sz="2400" b="1" dirty="0">
+              <a:latin typeface="Signika Negative" pitchFamily="2" charset="0"/>
+            </a:endParaRPr>
           </a:p>
           <a:p>
             <a:pPr algn="just"/>
@@ -4739,6 +4699,117 @@
           </a:prstGeom>
         </p:spPr>
       </p:pic>
+      <p:sp>
+        <p:nvSpPr>
+          <p:cNvPr id="8" name="Rectangle 12"/>
+          <p:cNvSpPr/>
+          <p:nvPr/>
+        </p:nvSpPr>
+        <p:spPr>
+          <a:xfrm>
+            <a:off x="0" y="-33868"/>
+            <a:ext cx="12192000" cy="601493"/>
+          </a:xfrm>
+          <a:prstGeom prst="rect">
+            <a:avLst/>
+          </a:prstGeom>
+          <a:solidFill>
+            <a:schemeClr val="accent2"/>
+          </a:solidFill>
+          <a:ln>
+            <a:noFill/>
+          </a:ln>
+        </p:spPr>
+        <p:style>
+          <a:lnRef idx="2">
+            <a:schemeClr val="accent1">
+              <a:shade val="50000"/>
+            </a:schemeClr>
+          </a:lnRef>
+          <a:fillRef idx="1">
+            <a:schemeClr val="accent1"/>
+          </a:fillRef>
+          <a:effectRef idx="0">
+            <a:schemeClr val="accent1"/>
+          </a:effectRef>
+          <a:fontRef idx="minor">
+            <a:schemeClr val="lt1"/>
+          </a:fontRef>
+        </p:style>
+        <p:txBody>
+          <a:bodyPr rtlCol="0" anchor="ctr"/>
+          <a:lstStyle/>
+          <a:p>
+            <a:pPr algn="ctr"/>
+            <a:endParaRPr lang="id-ID">
+              <a:solidFill>
+                <a:schemeClr val="bg1"/>
+              </a:solidFill>
+            </a:endParaRPr>
+          </a:p>
+        </p:txBody>
+      </p:sp>
+      <p:sp>
+        <p:nvSpPr>
+          <p:cNvPr id="9" name="Title 1"/>
+          <p:cNvSpPr txBox="1">
+            <a:spLocks/>
+          </p:cNvSpPr>
+          <p:nvPr/>
+        </p:nvSpPr>
+        <p:spPr>
+          <a:xfrm>
+            <a:off x="755767" y="-96355"/>
+            <a:ext cx="8395239" cy="726465"/>
+          </a:xfrm>
+          <a:prstGeom prst="rect">
+            <a:avLst/>
+          </a:prstGeom>
+        </p:spPr>
+        <p:txBody>
+          <a:bodyPr vert="horz" lIns="91440" tIns="45720" rIns="91440" bIns="45720" rtlCol="0" anchor="ctr">
+            <a:normAutofit/>
+          </a:bodyPr>
+          <a:lstStyle>
+            <a:lvl1pPr algn="l" defTabSz="914400" rtl="0" eaLnBrk="1" latinLnBrk="0" hangingPunct="1">
+              <a:spcBef>
+                <a:spcPct val="0"/>
+              </a:spcBef>
+              <a:buNone/>
+              <a:defRPr sz="3200" b="0" kern="1200">
+                <a:solidFill>
+                  <a:schemeClr val="tx1">
+                    <a:lumMod val="65000"/>
+                    <a:lumOff val="35000"/>
+                  </a:schemeClr>
+                </a:solidFill>
+                <a:latin typeface="Source Sans Pro Light" pitchFamily="34" charset="0"/>
+                <a:ea typeface="+mj-ea"/>
+                <a:cs typeface="+mj-cs"/>
+              </a:defRPr>
+            </a:lvl1pPr>
+          </a:lstStyle>
+          <a:p>
+            <a:r>
+              <a:rPr lang="ko-KR" altLang="en-US" sz="2800" b="1" dirty="0">
+                <a:solidFill>
+                  <a:schemeClr val="bg1"/>
+                </a:solidFill>
+                <a:latin typeface="+mj-lt"/>
+                <a:ea typeface="Roboto" panose="02000000000000000000" pitchFamily="2" charset="0"/>
+              </a:rPr>
+              <a:t>게임 컨셉 </a:t>
+            </a:r>
+            <a:endParaRPr lang="en-US" sz="2800" b="1" dirty="0">
+              <a:solidFill>
+                <a:schemeClr val="bg1"/>
+              </a:solidFill>
+              <a:latin typeface="+mj-lt"/>
+              <a:ea typeface="Roboto" panose="02000000000000000000" pitchFamily="2" charset="0"/>
+            </a:endParaRPr>
+          </a:p>
+        </p:txBody>
+      </p:sp>
     </p:spTree>
     <p:extLst>
       <p:ext uri="{BB962C8B-B14F-4D97-AF65-F5344CB8AC3E}">
@@ -5950,15 +6021,22 @@
           </a:lstStyle>
           <a:p>
             <a:r>
-              <a:rPr lang="en-US" sz="4000" b="1" dirty="0">
+              <a:rPr lang="ko-KR" altLang="en-US" sz="2800" b="1" dirty="0">
                 <a:solidFill>
                   <a:schemeClr val="bg1"/>
                 </a:solidFill>
                 <a:latin typeface="+mj-lt"/>
                 <a:ea typeface="Roboto" panose="02000000000000000000" pitchFamily="2" charset="0"/>
               </a:rPr>
-              <a:t>Development Plan</a:t>
-            </a:r>
+              <a:t>개발 계획</a:t>
+            </a:r>
+            <a:endParaRPr lang="en-US" sz="2800" b="1" dirty="0">
+              <a:solidFill>
+                <a:schemeClr val="bg1"/>
+              </a:solidFill>
+              <a:latin typeface="+mj-lt"/>
+              <a:ea typeface="Roboto" panose="02000000000000000000" pitchFamily="2" charset="0"/>
+            </a:endParaRPr>
           </a:p>
         </p:txBody>
       </p:sp>
@@ -6042,60 +6120,6 @@
           </a:p>
         </p:txBody>
       </p:sp>
-      <p:sp>
-        <p:nvSpPr>
-          <p:cNvPr id="48" name="Title 1"/>
-          <p:cNvSpPr txBox="1">
-            <a:spLocks/>
-          </p:cNvSpPr>
-          <p:nvPr/>
-        </p:nvSpPr>
-        <p:spPr>
-          <a:xfrm>
-            <a:off x="755767" y="-96355"/>
-            <a:ext cx="8395239" cy="726465"/>
-          </a:xfrm>
-          <a:prstGeom prst="rect">
-            <a:avLst/>
-          </a:prstGeom>
-        </p:spPr>
-        <p:txBody>
-          <a:bodyPr vert="horz" lIns="91440" tIns="45720" rIns="91440" bIns="45720" rtlCol="0" anchor="ctr">
-            <a:normAutofit/>
-          </a:bodyPr>
-          <a:lstStyle>
-            <a:lvl1pPr algn="l" defTabSz="914400" rtl="0" eaLnBrk="1" latinLnBrk="0" hangingPunct="1">
-              <a:spcBef>
-                <a:spcPct val="0"/>
-              </a:spcBef>
-              <a:buNone/>
-              <a:defRPr sz="3200" b="0" kern="1200">
-                <a:solidFill>
-                  <a:schemeClr val="tx1">
-                    <a:lumMod val="65000"/>
-                    <a:lumOff val="35000"/>
-                  </a:schemeClr>
-                </a:solidFill>
-                <a:latin typeface="Source Sans Pro Light" pitchFamily="34" charset="0"/>
-                <a:ea typeface="+mj-ea"/>
-                <a:cs typeface="+mj-cs"/>
-              </a:defRPr>
-            </a:lvl1pPr>
-          </a:lstStyle>
-          <a:p>
-            <a:r>
-              <a:rPr lang="en-US" sz="4000" b="1" dirty="0">
-                <a:solidFill>
-                  <a:schemeClr val="bg1"/>
-                </a:solidFill>
-                <a:latin typeface="+mj-lt"/>
-                <a:ea typeface="Roboto" panose="02000000000000000000" pitchFamily="2" charset="0"/>
-              </a:rPr>
-              <a:t>Development Plan</a:t>
-            </a:r>
-          </a:p>
-        </p:txBody>
-      </p:sp>
       <p:graphicFrame>
         <p:nvGraphicFramePr>
           <p:cNvPr id="2" name="Table 1"/>
@@ -6105,7 +6129,7 @@
           <p:nvPr>
             <p:extLst>
               <p:ext uri="{D42A27DB-BD31-4B8C-83A1-F6EECF244321}">
-                <p14:modId xmlns:p14="http://schemas.microsoft.com/office/powerpoint/2010/main" val="2106042369"/>
+                <p14:modId xmlns:p14="http://schemas.microsoft.com/office/powerpoint/2010/main" val="448461546"/>
               </p:ext>
             </p:extLst>
           </p:nvPr>
@@ -6662,21 +6686,8 @@
                             <a:schemeClr val="bg1"/>
                           </a:solidFill>
                         </a:rPr>
-                        <a:t>                                                                               </a:t>
+                        <a:t>                                                                       맵 전환 및 구현 완료 </a:t>
                       </a:r>
-                      <a:r>
-                        <a:rPr lang="ko-KR" altLang="en-US" sz="1200">
-                          <a:solidFill>
-                            <a:schemeClr val="bg1"/>
-                          </a:solidFill>
-                        </a:rPr>
-                        <a:t>맵 전환 및 구현 완료 </a:t>
-                      </a:r>
-                      <a:endParaRPr lang="ko-KR" altLang="en-US" sz="1200" dirty="0">
-                        <a:solidFill>
-                          <a:schemeClr val="bg1"/>
-                        </a:solidFill>
-                      </a:endParaRPr>
                     </a:p>
                   </a:txBody>
                   <a:tcPr>
@@ -6790,7 +6801,7 @@
                             <a:schemeClr val="bg1"/>
                           </a:solidFill>
                         </a:rPr>
-                        <a:t>80%</a:t>
+                        <a:t>100%</a:t>
                       </a:r>
                       <a:endParaRPr lang="ko-KR" altLang="en-US" sz="1200" dirty="0">
                         <a:solidFill>
@@ -6817,7 +6828,7 @@
                             <a:schemeClr val="bg1"/>
                           </a:solidFill>
                         </a:rPr>
-                        <a:t>                                      </a:t>
+                        <a:t>                    </a:t>
                       </a:r>
                       <a:r>
                         <a:rPr lang="ko-KR" altLang="en-US" sz="1200" dirty="0">
@@ -6841,7 +6852,23 @@
                             <a:schemeClr val="bg1"/>
                           </a:solidFill>
                         </a:rPr>
-                        <a:t>캐릭터 상하 좌우로 이동 인터페이스 구현 완료 </a:t>
+                        <a:t>캐릭터  좌우로 이동 인터페이스 구현 완료</a:t>
+                      </a:r>
+                      <a:r>
+                        <a:rPr lang="en-US" altLang="ko-KR" sz="1200" dirty="0">
+                          <a:solidFill>
+                            <a:schemeClr val="bg1"/>
+                          </a:solidFill>
+                        </a:rPr>
+                        <a:t>,</a:t>
+                      </a:r>
+                      <a:r>
+                        <a:rPr lang="ko-KR" altLang="en-US" sz="1200" dirty="0">
+                          <a:solidFill>
+                            <a:schemeClr val="bg1"/>
+                          </a:solidFill>
+                        </a:rPr>
+                        <a:t>미사일 발사 구현 완료 </a:t>
                       </a:r>
                     </a:p>
                   </a:txBody>
@@ -7332,6 +7359,67 @@
           </a:graphicData>
         </a:graphic>
       </p:graphicFrame>
+      <p:sp>
+        <p:nvSpPr>
+          <p:cNvPr id="5" name="Title 1"/>
+          <p:cNvSpPr txBox="1">
+            <a:spLocks/>
+          </p:cNvSpPr>
+          <p:nvPr/>
+        </p:nvSpPr>
+        <p:spPr>
+          <a:xfrm>
+            <a:off x="755767" y="-96355"/>
+            <a:ext cx="8395239" cy="726465"/>
+          </a:xfrm>
+          <a:prstGeom prst="rect">
+            <a:avLst/>
+          </a:prstGeom>
+        </p:spPr>
+        <p:txBody>
+          <a:bodyPr vert="horz" lIns="91440" tIns="45720" rIns="91440" bIns="45720" rtlCol="0" anchor="ctr">
+            <a:normAutofit/>
+          </a:bodyPr>
+          <a:lstStyle>
+            <a:lvl1pPr algn="l" defTabSz="914400" rtl="0" eaLnBrk="1" latinLnBrk="0" hangingPunct="1">
+              <a:spcBef>
+                <a:spcPct val="0"/>
+              </a:spcBef>
+              <a:buNone/>
+              <a:defRPr sz="3200" b="0" kern="1200">
+                <a:solidFill>
+                  <a:schemeClr val="tx1">
+                    <a:lumMod val="65000"/>
+                    <a:lumOff val="35000"/>
+                  </a:schemeClr>
+                </a:solidFill>
+                <a:latin typeface="Source Sans Pro Light" pitchFamily="34" charset="0"/>
+                <a:ea typeface="+mj-ea"/>
+                <a:cs typeface="+mj-cs"/>
+              </a:defRPr>
+            </a:lvl1pPr>
+          </a:lstStyle>
+          <a:p>
+            <a:r>
+              <a:rPr lang="ko-KR" altLang="en-US" sz="2800" b="1" dirty="0">
+                <a:solidFill>
+                  <a:schemeClr val="bg1"/>
+                </a:solidFill>
+                <a:latin typeface="+mj-lt"/>
+                <a:ea typeface="Roboto" panose="02000000000000000000" pitchFamily="2" charset="0"/>
+              </a:rPr>
+              <a:t>개발 일정</a:t>
+            </a:r>
+            <a:endParaRPr lang="en-US" sz="2800" b="1" dirty="0">
+              <a:solidFill>
+                <a:schemeClr val="bg1"/>
+              </a:solidFill>
+              <a:latin typeface="+mj-lt"/>
+              <a:ea typeface="Roboto" panose="02000000000000000000" pitchFamily="2" charset="0"/>
+            </a:endParaRPr>
+          </a:p>
+        </p:txBody>
+      </p:sp>
     </p:spTree>
     <p:extLst>
       <p:ext uri="{BB962C8B-B14F-4D97-AF65-F5344CB8AC3E}">
@@ -7346,6 +7434,174 @@
 </file>
 
 <file path=ppt/slides/slide5.xml><?xml version="1.0" encoding="utf-8"?>
+<p:sld xmlns:a="http://schemas.openxmlformats.org/drawingml/2006/main" xmlns:r="http://schemas.openxmlformats.org/officeDocument/2006/relationships" xmlns:p="http://schemas.openxmlformats.org/presentationml/2006/main">
+  <p:cSld>
+    <p:spTree>
+      <p:nvGrpSpPr>
+        <p:cNvPr id="1" name=""/>
+        <p:cNvGrpSpPr/>
+        <p:nvPr/>
+      </p:nvGrpSpPr>
+      <p:grpSpPr>
+        <a:xfrm>
+          <a:off x="0" y="0"/>
+          <a:ext cx="0" cy="0"/>
+          <a:chOff x="0" y="0"/>
+          <a:chExt cx="0" cy="0"/>
+        </a:xfrm>
+      </p:grpSpPr>
+      <p:sp>
+        <p:nvSpPr>
+          <p:cNvPr id="13" name="Rectangle 12"/>
+          <p:cNvSpPr/>
+          <p:nvPr/>
+        </p:nvSpPr>
+        <p:spPr>
+          <a:xfrm>
+            <a:off x="0" y="-33868"/>
+            <a:ext cx="12192000" cy="601493"/>
+          </a:xfrm>
+          <a:prstGeom prst="rect">
+            <a:avLst/>
+          </a:prstGeom>
+          <a:solidFill>
+            <a:schemeClr val="accent2"/>
+          </a:solidFill>
+          <a:ln>
+            <a:noFill/>
+          </a:ln>
+        </p:spPr>
+        <p:style>
+          <a:lnRef idx="2">
+            <a:schemeClr val="accent1">
+              <a:shade val="50000"/>
+            </a:schemeClr>
+          </a:lnRef>
+          <a:fillRef idx="1">
+            <a:schemeClr val="accent1"/>
+          </a:fillRef>
+          <a:effectRef idx="0">
+            <a:schemeClr val="accent1"/>
+          </a:effectRef>
+          <a:fontRef idx="minor">
+            <a:schemeClr val="lt1"/>
+          </a:fontRef>
+        </p:style>
+        <p:txBody>
+          <a:bodyPr rtlCol="0" anchor="ctr"/>
+          <a:lstStyle/>
+          <a:p>
+            <a:pPr algn="ctr"/>
+            <a:endParaRPr lang="id-ID">
+              <a:solidFill>
+                <a:schemeClr val="bg1"/>
+              </a:solidFill>
+            </a:endParaRPr>
+          </a:p>
+        </p:txBody>
+      </p:sp>
+      <p:sp>
+        <p:nvSpPr>
+          <p:cNvPr id="48" name="Title 1"/>
+          <p:cNvSpPr txBox="1">
+            <a:spLocks/>
+          </p:cNvSpPr>
+          <p:nvPr/>
+        </p:nvSpPr>
+        <p:spPr>
+          <a:xfrm>
+            <a:off x="755767" y="-96355"/>
+            <a:ext cx="8395239" cy="726465"/>
+          </a:xfrm>
+          <a:prstGeom prst="rect">
+            <a:avLst/>
+          </a:prstGeom>
+        </p:spPr>
+        <p:txBody>
+          <a:bodyPr vert="horz" lIns="91440" tIns="45720" rIns="91440" bIns="45720" rtlCol="0" anchor="ctr">
+            <a:normAutofit/>
+          </a:bodyPr>
+          <a:lstStyle>
+            <a:lvl1pPr algn="l" defTabSz="914400" rtl="0" eaLnBrk="1" latinLnBrk="0" hangingPunct="1">
+              <a:spcBef>
+                <a:spcPct val="0"/>
+              </a:spcBef>
+              <a:buNone/>
+              <a:defRPr sz="3200" b="0" kern="1200">
+                <a:solidFill>
+                  <a:schemeClr val="tx1">
+                    <a:lumMod val="65000"/>
+                    <a:lumOff val="35000"/>
+                  </a:schemeClr>
+                </a:solidFill>
+                <a:latin typeface="Source Sans Pro Light" pitchFamily="34" charset="0"/>
+                <a:ea typeface="+mj-ea"/>
+                <a:cs typeface="+mj-cs"/>
+              </a:defRPr>
+            </a:lvl1pPr>
+          </a:lstStyle>
+          <a:p>
+            <a:r>
+              <a:rPr lang="en-US" sz="4000" b="1" dirty="0" err="1">
+                <a:solidFill>
+                  <a:schemeClr val="bg1"/>
+                </a:solidFill>
+                <a:latin typeface="+mj-lt"/>
+                <a:ea typeface="Roboto" panose="02000000000000000000" pitchFamily="2" charset="0"/>
+              </a:rPr>
+              <a:t>Git</a:t>
+            </a:r>
+            <a:r>
+              <a:rPr lang="en-US" sz="4000" b="1" dirty="0">
+                <a:solidFill>
+                  <a:schemeClr val="bg1"/>
+                </a:solidFill>
+                <a:latin typeface="+mj-lt"/>
+                <a:ea typeface="Roboto" panose="02000000000000000000" pitchFamily="2" charset="0"/>
+              </a:rPr>
+              <a:t> Hub</a:t>
+            </a:r>
+          </a:p>
+        </p:txBody>
+      </p:sp>
+      <p:pic>
+        <p:nvPicPr>
+          <p:cNvPr id="5" name="그림 4"/>
+          <p:cNvPicPr>
+            <a:picLocks noChangeAspect="1"/>
+          </p:cNvPicPr>
+          <p:nvPr/>
+        </p:nvPicPr>
+        <p:blipFill>
+          <a:blip r:embed="rId3"/>
+          <a:stretch>
+            <a:fillRect/>
+          </a:stretch>
+        </p:blipFill>
+        <p:spPr>
+          <a:xfrm>
+            <a:off x="0" y="564552"/>
+            <a:ext cx="12192000" cy="6293448"/>
+          </a:xfrm>
+          <a:prstGeom prst="rect">
+            <a:avLst/>
+          </a:prstGeom>
+        </p:spPr>
+      </p:pic>
+    </p:spTree>
+    <p:extLst>
+      <p:ext uri="{BB962C8B-B14F-4D97-AF65-F5344CB8AC3E}">
+        <p14:creationId xmlns:p14="http://schemas.microsoft.com/office/powerpoint/2010/main" val="925714969"/>
+      </p:ext>
+    </p:extLst>
+  </p:cSld>
+  <p:clrMapOvr>
+    <a:masterClrMapping/>
+  </p:clrMapOvr>
+</p:sld>
+</file>
+
+<file path=ppt/slides/slide6.xml><?xml version="1.0" encoding="utf-8"?>
 <p:sld xmlns:a="http://schemas.openxmlformats.org/drawingml/2006/main" xmlns:r="http://schemas.openxmlformats.org/officeDocument/2006/relationships" xmlns:p="http://schemas.openxmlformats.org/presentationml/2006/main">
   <p:cSld>
     <p:spTree>
@@ -7456,7 +7712,7 @@
             <a:pPr algn="ctr"/>
             <a:fld id="{489CC016-E24E-4FD8-A898-6FC65FBA5ED9}" type="slidenum">
               <a:rPr lang="id-ID" sz="1100" smtClean="0"/>
-              <a:t>5</a:t>
+              <a:t>6</a:t>
             </a:fld>
             <a:endParaRPr lang="id-ID" sz="1100" dirty="0"/>
           </a:p>
